--- a/documents/paper_data/ECAI/TEG_pass.pptx
+++ b/documents/paper_data/ECAI/TEG_pass.pptx
@@ -243,7 +243,7 @@
           <a:p>
             <a:fld id="{B45AE070-E467-4E06-80EB-569A65CBB189}" type="datetimeFigureOut">
               <a:rPr lang="cs-CZ" smtClean="0"/>
-              <a:t>05.05.2025</a:t>
+              <a:t>28.07.2025</a:t>
             </a:fld>
             <a:endParaRPr lang="cs-CZ"/>
           </a:p>
@@ -413,7 +413,7 @@
           <a:p>
             <a:fld id="{B45AE070-E467-4E06-80EB-569A65CBB189}" type="datetimeFigureOut">
               <a:rPr lang="cs-CZ" smtClean="0"/>
-              <a:t>05.05.2025</a:t>
+              <a:t>28.07.2025</a:t>
             </a:fld>
             <a:endParaRPr lang="cs-CZ"/>
           </a:p>
@@ -593,7 +593,7 @@
           <a:p>
             <a:fld id="{B45AE070-E467-4E06-80EB-569A65CBB189}" type="datetimeFigureOut">
               <a:rPr lang="cs-CZ" smtClean="0"/>
-              <a:t>05.05.2025</a:t>
+              <a:t>28.07.2025</a:t>
             </a:fld>
             <a:endParaRPr lang="cs-CZ"/>
           </a:p>
@@ -763,7 +763,7 @@
           <a:p>
             <a:fld id="{B45AE070-E467-4E06-80EB-569A65CBB189}" type="datetimeFigureOut">
               <a:rPr lang="cs-CZ" smtClean="0"/>
-              <a:t>05.05.2025</a:t>
+              <a:t>28.07.2025</a:t>
             </a:fld>
             <a:endParaRPr lang="cs-CZ"/>
           </a:p>
@@ -1009,7 +1009,7 @@
           <a:p>
             <a:fld id="{B45AE070-E467-4E06-80EB-569A65CBB189}" type="datetimeFigureOut">
               <a:rPr lang="cs-CZ" smtClean="0"/>
-              <a:t>05.05.2025</a:t>
+              <a:t>28.07.2025</a:t>
             </a:fld>
             <a:endParaRPr lang="cs-CZ"/>
           </a:p>
@@ -1241,7 +1241,7 @@
           <a:p>
             <a:fld id="{B45AE070-E467-4E06-80EB-569A65CBB189}" type="datetimeFigureOut">
               <a:rPr lang="cs-CZ" smtClean="0"/>
-              <a:t>05.05.2025</a:t>
+              <a:t>28.07.2025</a:t>
             </a:fld>
             <a:endParaRPr lang="cs-CZ"/>
           </a:p>
@@ -1608,7 +1608,7 @@
           <a:p>
             <a:fld id="{B45AE070-E467-4E06-80EB-569A65CBB189}" type="datetimeFigureOut">
               <a:rPr lang="cs-CZ" smtClean="0"/>
-              <a:t>05.05.2025</a:t>
+              <a:t>28.07.2025</a:t>
             </a:fld>
             <a:endParaRPr lang="cs-CZ"/>
           </a:p>
@@ -1726,7 +1726,7 @@
           <a:p>
             <a:fld id="{B45AE070-E467-4E06-80EB-569A65CBB189}" type="datetimeFigureOut">
               <a:rPr lang="cs-CZ" smtClean="0"/>
-              <a:t>05.05.2025</a:t>
+              <a:t>28.07.2025</a:t>
             </a:fld>
             <a:endParaRPr lang="cs-CZ"/>
           </a:p>
@@ -1821,7 +1821,7 @@
           <a:p>
             <a:fld id="{B45AE070-E467-4E06-80EB-569A65CBB189}" type="datetimeFigureOut">
               <a:rPr lang="cs-CZ" smtClean="0"/>
-              <a:t>05.05.2025</a:t>
+              <a:t>28.07.2025</a:t>
             </a:fld>
             <a:endParaRPr lang="cs-CZ"/>
           </a:p>
@@ -2098,7 +2098,7 @@
           <a:p>
             <a:fld id="{B45AE070-E467-4E06-80EB-569A65CBB189}" type="datetimeFigureOut">
               <a:rPr lang="cs-CZ" smtClean="0"/>
-              <a:t>05.05.2025</a:t>
+              <a:t>28.07.2025</a:t>
             </a:fld>
             <a:endParaRPr lang="cs-CZ"/>
           </a:p>
@@ -2355,7 +2355,7 @@
           <a:p>
             <a:fld id="{B45AE070-E467-4E06-80EB-569A65CBB189}" type="datetimeFigureOut">
               <a:rPr lang="cs-CZ" smtClean="0"/>
-              <a:t>05.05.2025</a:t>
+              <a:t>28.07.2025</a:t>
             </a:fld>
             <a:endParaRPr lang="cs-CZ"/>
           </a:p>
@@ -2568,7 +2568,7 @@
           <a:p>
             <a:fld id="{B45AE070-E467-4E06-80EB-569A65CBB189}" type="datetimeFigureOut">
               <a:rPr lang="cs-CZ" smtClean="0"/>
-              <a:t>05.05.2025</a:t>
+              <a:t>28.07.2025</a:t>
             </a:fld>
             <a:endParaRPr lang="cs-CZ"/>
           </a:p>
@@ -8376,7 +8376,7 @@
         <p:spPr>
           <a:xfrm>
             <a:off x="351766" y="-14390"/>
-            <a:ext cx="308098" cy="369332"/>
+            <a:ext cx="349776" cy="461665"/>
           </a:xfrm>
           <a:prstGeom prst="rect">
             <a:avLst/>
@@ -8390,10 +8390,9 @@
           <a:lstStyle/>
           <a:p>
             <a:r>
-              <a:rPr lang="en-US" dirty="0"/>
-              <a:t>0</a:t>
+              <a:rPr lang="cs-CZ" sz="2400" dirty="0"/>
+              <a:t>1</a:t>
             </a:r>
-            <a:endParaRPr lang="cs-CZ" dirty="0"/>
           </a:p>
         </p:txBody>
       </p:sp>
@@ -8412,7 +8411,7 @@
         <p:spPr>
           <a:xfrm>
             <a:off x="1113766" y="-14390"/>
-            <a:ext cx="308098" cy="369332"/>
+            <a:ext cx="349776" cy="461665"/>
           </a:xfrm>
           <a:prstGeom prst="rect">
             <a:avLst/>
@@ -8426,10 +8425,9 @@
           <a:lstStyle/>
           <a:p>
             <a:r>
-              <a:rPr lang="en-US" dirty="0"/>
-              <a:t>1</a:t>
+              <a:rPr lang="cs-CZ" sz="2400" dirty="0"/>
+              <a:t>2</a:t>
             </a:r>
-            <a:endParaRPr lang="cs-CZ" dirty="0"/>
           </a:p>
         </p:txBody>
       </p:sp>
@@ -8448,7 +8446,7 @@
         <p:spPr>
           <a:xfrm>
             <a:off x="1875764" y="-14390"/>
-            <a:ext cx="308098" cy="369332"/>
+            <a:ext cx="349776" cy="461665"/>
           </a:xfrm>
           <a:prstGeom prst="rect">
             <a:avLst/>
@@ -8462,10 +8460,9 @@
           <a:lstStyle/>
           <a:p>
             <a:r>
-              <a:rPr lang="en-US" dirty="0"/>
-              <a:t>2</a:t>
+              <a:rPr lang="cs-CZ" sz="2400" dirty="0"/>
+              <a:t>3</a:t>
             </a:r>
-            <a:endParaRPr lang="cs-CZ" dirty="0"/>
           </a:p>
         </p:txBody>
       </p:sp>
@@ -8484,7 +8481,7 @@
         <p:spPr>
           <a:xfrm>
             <a:off x="2637760" y="349"/>
-            <a:ext cx="308098" cy="369332"/>
+            <a:ext cx="349776" cy="461665"/>
           </a:xfrm>
           <a:prstGeom prst="rect">
             <a:avLst/>
@@ -8498,10 +8495,9 @@
           <a:lstStyle/>
           <a:p>
             <a:r>
-              <a:rPr lang="en-US" dirty="0"/>
-              <a:t>3</a:t>
+              <a:rPr lang="cs-CZ" sz="2400" dirty="0"/>
+              <a:t>4</a:t>
             </a:r>
-            <a:endParaRPr lang="cs-CZ" dirty="0"/>
           </a:p>
         </p:txBody>
       </p:sp>
@@ -8520,7 +8516,7 @@
         <p:spPr>
           <a:xfrm>
             <a:off x="3399726" y="9099"/>
-            <a:ext cx="308098" cy="369332"/>
+            <a:ext cx="349776" cy="461665"/>
           </a:xfrm>
           <a:prstGeom prst="rect">
             <a:avLst/>
@@ -8534,10 +8530,9 @@
           <a:lstStyle/>
           <a:p>
             <a:r>
-              <a:rPr lang="en-US" dirty="0"/>
-              <a:t>4</a:t>
+              <a:rPr lang="cs-CZ" sz="2400" dirty="0"/>
+              <a:t>5</a:t>
             </a:r>
-            <a:endParaRPr lang="cs-CZ" dirty="0"/>
           </a:p>
         </p:txBody>
       </p:sp>
@@ -8556,7 +8551,7 @@
         <p:spPr>
           <a:xfrm>
             <a:off x="4161718" y="4089"/>
-            <a:ext cx="308098" cy="369332"/>
+            <a:ext cx="349776" cy="461665"/>
           </a:xfrm>
           <a:prstGeom prst="rect">
             <a:avLst/>
@@ -8570,10 +8565,9 @@
           <a:lstStyle/>
           <a:p>
             <a:r>
-              <a:rPr lang="en-US" dirty="0"/>
-              <a:t>5</a:t>
+              <a:rPr lang="cs-CZ" sz="2400" dirty="0"/>
+              <a:t>6</a:t>
             </a:r>
-            <a:endParaRPr lang="cs-CZ" dirty="0"/>
           </a:p>
         </p:txBody>
       </p:sp>
@@ -8592,7 +8586,7 @@
         <p:spPr>
           <a:xfrm>
             <a:off x="4923708" y="2321"/>
-            <a:ext cx="308098" cy="369332"/>
+            <a:ext cx="349776" cy="461665"/>
           </a:xfrm>
           <a:prstGeom prst="rect">
             <a:avLst/>
@@ -8606,10 +8600,9 @@
           <a:lstStyle/>
           <a:p>
             <a:r>
-              <a:rPr lang="en-US" dirty="0"/>
-              <a:t>6</a:t>
+              <a:rPr lang="cs-CZ" sz="2400" dirty="0"/>
+              <a:t>7</a:t>
             </a:r>
-            <a:endParaRPr lang="cs-CZ" dirty="0"/>
           </a:p>
         </p:txBody>
       </p:sp>
@@ -8628,7 +8621,7 @@
         <p:spPr>
           <a:xfrm>
             <a:off x="6270386" y="-3308"/>
-            <a:ext cx="308098" cy="369332"/>
+            <a:ext cx="349776" cy="461665"/>
           </a:xfrm>
           <a:prstGeom prst="rect">
             <a:avLst/>
@@ -8642,10 +8635,9 @@
           <a:lstStyle/>
           <a:p>
             <a:r>
-              <a:rPr lang="en-US" dirty="0"/>
-              <a:t>0</a:t>
+              <a:rPr lang="cs-CZ" sz="2400" dirty="0"/>
+              <a:t>1</a:t>
             </a:r>
-            <a:endParaRPr lang="cs-CZ" dirty="0"/>
           </a:p>
         </p:txBody>
       </p:sp>
@@ -8664,7 +8656,7 @@
         <p:spPr>
           <a:xfrm>
             <a:off x="7032386" y="-3308"/>
-            <a:ext cx="308098" cy="369332"/>
+            <a:ext cx="349776" cy="461665"/>
           </a:xfrm>
           <a:prstGeom prst="rect">
             <a:avLst/>
@@ -8678,10 +8670,9 @@
           <a:lstStyle/>
           <a:p>
             <a:r>
-              <a:rPr lang="en-US" dirty="0"/>
-              <a:t>1</a:t>
+              <a:rPr lang="cs-CZ" sz="2400" dirty="0"/>
+              <a:t>2</a:t>
             </a:r>
-            <a:endParaRPr lang="cs-CZ" dirty="0"/>
           </a:p>
         </p:txBody>
       </p:sp>
@@ -8700,7 +8691,7 @@
         <p:spPr>
           <a:xfrm>
             <a:off x="7794384" y="-3308"/>
-            <a:ext cx="308098" cy="369332"/>
+            <a:ext cx="349776" cy="461665"/>
           </a:xfrm>
           <a:prstGeom prst="rect">
             <a:avLst/>
@@ -8714,10 +8705,9 @@
           <a:lstStyle/>
           <a:p>
             <a:r>
-              <a:rPr lang="en-US" dirty="0"/>
-              <a:t>2</a:t>
+              <a:rPr lang="cs-CZ" sz="2400" dirty="0"/>
+              <a:t>3</a:t>
             </a:r>
-            <a:endParaRPr lang="cs-CZ" dirty="0"/>
           </a:p>
         </p:txBody>
       </p:sp>
@@ -8736,7 +8726,7 @@
         <p:spPr>
           <a:xfrm>
             <a:off x="8556380" y="11431"/>
-            <a:ext cx="308098" cy="369332"/>
+            <a:ext cx="349776" cy="461665"/>
           </a:xfrm>
           <a:prstGeom prst="rect">
             <a:avLst/>
@@ -8750,10 +8740,9 @@
           <a:lstStyle/>
           <a:p>
             <a:r>
-              <a:rPr lang="en-US" dirty="0"/>
-              <a:t>3</a:t>
+              <a:rPr lang="cs-CZ" sz="2400" dirty="0"/>
+              <a:t>4</a:t>
             </a:r>
-            <a:endParaRPr lang="cs-CZ" dirty="0"/>
           </a:p>
         </p:txBody>
       </p:sp>
@@ -8772,7 +8761,7 @@
         <p:spPr>
           <a:xfrm>
             <a:off x="9318346" y="20181"/>
-            <a:ext cx="308098" cy="369332"/>
+            <a:ext cx="349776" cy="461665"/>
           </a:xfrm>
           <a:prstGeom prst="rect">
             <a:avLst/>
@@ -8786,10 +8775,9 @@
           <a:lstStyle/>
           <a:p>
             <a:r>
-              <a:rPr lang="en-US" dirty="0"/>
-              <a:t>4</a:t>
+              <a:rPr lang="cs-CZ" sz="2400" dirty="0"/>
+              <a:t>5</a:t>
             </a:r>
-            <a:endParaRPr lang="cs-CZ" dirty="0"/>
           </a:p>
         </p:txBody>
       </p:sp>
@@ -8808,7 +8796,7 @@
         <p:spPr>
           <a:xfrm>
             <a:off x="10080338" y="15171"/>
-            <a:ext cx="308098" cy="369332"/>
+            <a:ext cx="349776" cy="461665"/>
           </a:xfrm>
           <a:prstGeom prst="rect">
             <a:avLst/>
@@ -8822,10 +8810,9 @@
           <a:lstStyle/>
           <a:p>
             <a:r>
-              <a:rPr lang="en-US" dirty="0"/>
-              <a:t>5</a:t>
+              <a:rPr lang="cs-CZ" sz="2400" dirty="0"/>
+              <a:t>6</a:t>
             </a:r>
-            <a:endParaRPr lang="cs-CZ" dirty="0"/>
           </a:p>
         </p:txBody>
       </p:sp>
@@ -8844,7 +8831,7 @@
         <p:spPr>
           <a:xfrm>
             <a:off x="10842328" y="13401"/>
-            <a:ext cx="308098" cy="369332"/>
+            <a:ext cx="349776" cy="461665"/>
           </a:xfrm>
           <a:prstGeom prst="rect">
             <a:avLst/>
@@ -8858,10 +8845,9 @@
           <a:lstStyle/>
           <a:p>
             <a:r>
-              <a:rPr lang="en-US" dirty="0"/>
-              <a:t>6</a:t>
+              <a:rPr lang="cs-CZ" sz="2400" dirty="0"/>
+              <a:t>7</a:t>
             </a:r>
-            <a:endParaRPr lang="cs-CZ" dirty="0"/>
           </a:p>
         </p:txBody>
       </p:sp>
